--- a/RWorkshopPart2-DataAndPackages.pptx
+++ b/RWorkshopPart2-DataAndPackages.pptx
@@ -253,7 +253,7 @@
           <a:p>
             <a:fld id="{F3717877-7615-AF43-A15C-285D0785D62B}" type="datetimeFigureOut">
               <a:rPr lang="en-US" smtClean="0"/>
-              <a:t>1/7/21</a:t>
+              <a:t>5/3/21</a:t>
             </a:fld>
             <a:endParaRPr lang="en-US"/>
           </a:p>
@@ -419,7 +419,7 @@
           <a:p>
             <a:fld id="{CC38DD35-9531-594F-83BF-4DA14DBC8189}" type="datetimeFigureOut">
               <a:rPr lang="en-US" smtClean="0"/>
-              <a:t>1/7/21</a:t>
+              <a:t>5/3/21</a:t>
             </a:fld>
             <a:endParaRPr lang="en-US"/>
           </a:p>
@@ -866,7 +866,7 @@
           <a:p>
             <a:fld id="{5B6DAEED-F786-AB4A-9D8D-DBEB84781174}" type="datetime1">
               <a:rPr lang="en-US" smtClean="0"/>
-              <a:t>1/7/21</a:t>
+              <a:t>5/3/21</a:t>
             </a:fld>
             <a:endParaRPr lang="en-US"/>
           </a:p>
@@ -1034,7 +1034,7 @@
           <a:p>
             <a:fld id="{AEB20C2C-7840-4D4E-99FE-B03E89588138}" type="datetime1">
               <a:rPr lang="en-US" smtClean="0"/>
-              <a:t>1/7/21</a:t>
+              <a:t>5/3/21</a:t>
             </a:fld>
             <a:endParaRPr lang="en-US"/>
           </a:p>
@@ -1212,7 +1212,7 @@
           <a:p>
             <a:fld id="{696A702B-D906-D846-9FFA-B2F2237A216C}" type="datetime1">
               <a:rPr lang="en-US" smtClean="0"/>
-              <a:t>1/7/21</a:t>
+              <a:t>5/3/21</a:t>
             </a:fld>
             <a:endParaRPr lang="en-US"/>
           </a:p>
@@ -1380,7 +1380,7 @@
           <a:p>
             <a:fld id="{EB79B524-030F-AF44-B302-F4E72FEF0F48}" type="datetime1">
               <a:rPr lang="en-US" smtClean="0"/>
-              <a:t>1/7/21</a:t>
+              <a:t>5/3/21</a:t>
             </a:fld>
             <a:endParaRPr lang="en-US"/>
           </a:p>
@@ -1625,7 +1625,7 @@
           <a:p>
             <a:fld id="{BD1EEF56-89A2-1C48-A860-730D8C57FE15}" type="datetime1">
               <a:rPr lang="en-US" smtClean="0"/>
-              <a:t>1/7/21</a:t>
+              <a:t>5/3/21</a:t>
             </a:fld>
             <a:endParaRPr lang="en-US"/>
           </a:p>
@@ -1910,7 +1910,7 @@
           <a:p>
             <a:fld id="{CF60464F-8784-A24B-8774-2C975FA8DFE7}" type="datetime1">
               <a:rPr lang="en-US" smtClean="0"/>
-              <a:t>1/7/21</a:t>
+              <a:t>5/3/21</a:t>
             </a:fld>
             <a:endParaRPr lang="en-US"/>
           </a:p>
@@ -2329,7 +2329,7 @@
           <a:p>
             <a:fld id="{8F874D85-658E-184E-9F66-D953F6D8C4BF}" type="datetime1">
               <a:rPr lang="en-US" smtClean="0"/>
-              <a:t>1/7/21</a:t>
+              <a:t>5/3/21</a:t>
             </a:fld>
             <a:endParaRPr lang="en-US"/>
           </a:p>
@@ -2446,7 +2446,7 @@
           <a:p>
             <a:fld id="{FE85A5AB-34CC-B547-B79D-F13D48B27D4E}" type="datetime1">
               <a:rPr lang="en-US" smtClean="0"/>
-              <a:t>1/7/21</a:t>
+              <a:t>5/3/21</a:t>
             </a:fld>
             <a:endParaRPr lang="en-US"/>
           </a:p>
@@ -2541,7 +2541,7 @@
           <a:p>
             <a:fld id="{0C7BAE3D-096B-6C44-AE69-AF99EBAEC0CD}" type="datetime1">
               <a:rPr lang="en-US" smtClean="0"/>
-              <a:t>1/7/21</a:t>
+              <a:t>5/3/21</a:t>
             </a:fld>
             <a:endParaRPr lang="en-US"/>
           </a:p>
@@ -2816,7 +2816,7 @@
           <a:p>
             <a:fld id="{CFC084E5-4795-8C41-8EE2-FBC01F67F73B}" type="datetime1">
               <a:rPr lang="en-US" smtClean="0"/>
-              <a:t>1/7/21</a:t>
+              <a:t>5/3/21</a:t>
             </a:fld>
             <a:endParaRPr lang="en-US"/>
           </a:p>
@@ -3068,7 +3068,7 @@
           <a:p>
             <a:fld id="{0BDEA607-69D5-2B4E-A913-AE8D840245B6}" type="datetime1">
               <a:rPr lang="en-US" smtClean="0"/>
-              <a:t>1/7/21</a:t>
+              <a:t>5/3/21</a:t>
             </a:fld>
             <a:endParaRPr lang="en-US"/>
           </a:p>
@@ -3279,7 +3279,7 @@
           <a:p>
             <a:fld id="{1980D06E-FDAE-284D-AC13-82681BC42AD9}" type="datetime1">
               <a:rPr lang="en-US" smtClean="0"/>
-              <a:t>1/7/21</a:t>
+              <a:t>5/3/21</a:t>
             </a:fld>
             <a:endParaRPr lang="en-US"/>
           </a:p>
@@ -3714,9 +3714,10 @@
           </a:p>
           <a:p>
             <a:r>
-              <a:rPr lang="en-US" dirty="0"/>
-              <a:t>SER 2020</a:t>
-            </a:r>
+              <a:rPr lang="en-US"/>
+              <a:t>SER 2021</a:t>
+            </a:r>
+            <a:endParaRPr lang="en-US" dirty="0"/>
           </a:p>
           <a:p>
             <a:endParaRPr lang="en-US" dirty="0"/>
@@ -3781,14 +3782,14 @@
           </a:ln>
           <a:extLst>
             <a:ext uri="{909E8E84-426E-40dd-AFC4-6F175D3DCCD1}">
-              <a14:hiddenFill xmlns:a14="http://schemas.microsoft.com/office/drawing/2010/main" xmlns="">
+              <a14:hiddenFill xmlns="" xmlns:a14="http://schemas.microsoft.com/office/drawing/2010/main">
                 <a:solidFill>
                   <a:schemeClr val="accent1"/>
                 </a:solidFill>
               </a14:hiddenFill>
             </a:ext>
             <a:ext uri="{91240B29-F687-4f45-9708-019B960494DF}">
-              <a14:hiddenLine xmlns:a14="http://schemas.microsoft.com/office/drawing/2010/main" xmlns="" w="9525">
+              <a14:hiddenLine xmlns="" xmlns:a14="http://schemas.microsoft.com/office/drawing/2010/main" w="9525">
                 <a:solidFill>
                   <a:schemeClr val="tx1"/>
                 </a:solidFill>
@@ -3835,14 +3836,14 @@
           </a:ln>
           <a:extLst>
             <a:ext uri="{909E8E84-426E-40dd-AFC4-6F175D3DCCD1}">
-              <a14:hiddenFill xmlns:a14="http://schemas.microsoft.com/office/drawing/2010/main" xmlns="">
+              <a14:hiddenFill xmlns="" xmlns:a14="http://schemas.microsoft.com/office/drawing/2010/main">
                 <a:solidFill>
                   <a:schemeClr val="accent1"/>
                 </a:solidFill>
               </a14:hiddenFill>
             </a:ext>
             <a:ext uri="{91240B29-F687-4f45-9708-019B960494DF}">
-              <a14:hiddenLine xmlns:a14="http://schemas.microsoft.com/office/drawing/2010/main" xmlns="" w="9525">
+              <a14:hiddenLine xmlns="" xmlns:a14="http://schemas.microsoft.com/office/drawing/2010/main" w="9525">
                 <a:solidFill>
                   <a:schemeClr val="tx1"/>
                 </a:solidFill>
@@ -3991,14 +3992,14 @@
           <a:effectLst/>
           <a:extLst>
             <a:ext uri="{909E8E84-426E-40dd-AFC4-6F175D3DCCD1}">
-              <a14:hiddenFill xmlns:a14="http://schemas.microsoft.com/office/drawing/2010/main" xmlns="">
+              <a14:hiddenFill xmlns="" xmlns:a14="http://schemas.microsoft.com/office/drawing/2010/main">
                 <a:solidFill>
                   <a:schemeClr val="accent1"/>
                 </a:solidFill>
               </a14:hiddenFill>
             </a:ext>
             <a:ext uri="{91240B29-F687-4f45-9708-019B960494DF}">
-              <a14:hiddenLine xmlns:a14="http://schemas.microsoft.com/office/drawing/2010/main" xmlns="" w="9525">
+              <a14:hiddenLine xmlns="" xmlns:a14="http://schemas.microsoft.com/office/drawing/2010/main" w="9525">
                 <a:solidFill>
                   <a:schemeClr val="tx1"/>
                 </a:solidFill>
@@ -4008,7 +4009,7 @@
               </a14:hiddenLine>
             </a:ext>
             <a:ext uri="{AF507438-7753-43e0-B8FC-AC1667EBCBE1}">
-              <a14:hiddenEffects xmlns:a14="http://schemas.microsoft.com/office/drawing/2010/main" xmlns="">
+              <a14:hiddenEffects xmlns="" xmlns:a14="http://schemas.microsoft.com/office/drawing/2010/main">
                 <a:effectLst>
                   <a:outerShdw dist="35921" dir="2700000" algn="ctr" rotWithShape="0">
                     <a:schemeClr val="bg2"/>
@@ -4522,14 +4523,14 @@
           <a:effectLst/>
           <a:extLst>
             <a:ext uri="{909E8E84-426E-40dd-AFC4-6F175D3DCCD1}">
-              <a14:hiddenFill xmlns:a14="http://schemas.microsoft.com/office/drawing/2010/main" xmlns="">
+              <a14:hiddenFill xmlns="" xmlns:a14="http://schemas.microsoft.com/office/drawing/2010/main">
                 <a:solidFill>
                   <a:schemeClr val="accent1"/>
                 </a:solidFill>
               </a14:hiddenFill>
             </a:ext>
             <a:ext uri="{91240B29-F687-4f45-9708-019B960494DF}">
-              <a14:hiddenLine xmlns:a14="http://schemas.microsoft.com/office/drawing/2010/main" xmlns="" w="9525">
+              <a14:hiddenLine xmlns="" xmlns:a14="http://schemas.microsoft.com/office/drawing/2010/main" w="9525">
                 <a:solidFill>
                   <a:schemeClr val="tx1"/>
                 </a:solidFill>
@@ -4539,7 +4540,7 @@
               </a14:hiddenLine>
             </a:ext>
             <a:ext uri="{AF507438-7753-43e0-B8FC-AC1667EBCBE1}">
-              <a14:hiddenEffects xmlns:a14="http://schemas.microsoft.com/office/drawing/2010/main" xmlns="">
+              <a14:hiddenEffects xmlns="" xmlns:a14="http://schemas.microsoft.com/office/drawing/2010/main">
                 <a:effectLst>
                   <a:outerShdw dist="35921" dir="2700000" algn="ctr" rotWithShape="0">
                     <a:schemeClr val="bg2"/>
@@ -4937,14 +4938,14 @@
           <a:effectLst/>
           <a:extLst>
             <a:ext uri="{909E8E84-426E-40dd-AFC4-6F175D3DCCD1}">
-              <a14:hiddenFill xmlns:a14="http://schemas.microsoft.com/office/drawing/2010/main" xmlns="">
+              <a14:hiddenFill xmlns="" xmlns:a14="http://schemas.microsoft.com/office/drawing/2010/main">
                 <a:solidFill>
                   <a:schemeClr val="accent1"/>
                 </a:solidFill>
               </a14:hiddenFill>
             </a:ext>
             <a:ext uri="{91240B29-F687-4f45-9708-019B960494DF}">
-              <a14:hiddenLine xmlns:a14="http://schemas.microsoft.com/office/drawing/2010/main" xmlns="" w="9525">
+              <a14:hiddenLine xmlns="" xmlns:a14="http://schemas.microsoft.com/office/drawing/2010/main" w="9525">
                 <a:solidFill>
                   <a:schemeClr val="tx1"/>
                 </a:solidFill>
@@ -4954,7 +4955,7 @@
               </a14:hiddenLine>
             </a:ext>
             <a:ext uri="{AF507438-7753-43e0-B8FC-AC1667EBCBE1}">
-              <a14:hiddenEffects xmlns:a14="http://schemas.microsoft.com/office/drawing/2010/main" xmlns="">
+              <a14:hiddenEffects xmlns="" xmlns:a14="http://schemas.microsoft.com/office/drawing/2010/main">
                 <a:effectLst>
                   <a:outerShdw dist="35921" dir="2700000" algn="ctr" rotWithShape="0">
                     <a:schemeClr val="bg2"/>
@@ -5158,14 +5159,14 @@
           </a:ln>
           <a:extLst>
             <a:ext uri="{909E8E84-426E-40dd-AFC4-6F175D3DCCD1}">
-              <a14:hiddenFill xmlns:a14="http://schemas.microsoft.com/office/drawing/2010/main" xmlns="">
+              <a14:hiddenFill xmlns="" xmlns:a14="http://schemas.microsoft.com/office/drawing/2010/main">
                 <a:solidFill>
                   <a:schemeClr val="accent1"/>
                 </a:solidFill>
               </a14:hiddenFill>
             </a:ext>
             <a:ext uri="{91240B29-F687-4f45-9708-019B960494DF}">
-              <a14:hiddenLine xmlns:a14="http://schemas.microsoft.com/office/drawing/2010/main" xmlns="" w="9525">
+              <a14:hiddenLine xmlns="" xmlns:a14="http://schemas.microsoft.com/office/drawing/2010/main" w="9525">
                 <a:solidFill>
                   <a:schemeClr val="tx1"/>
                 </a:solidFill>
@@ -5970,14 +5971,14 @@
           <a:effectLst/>
           <a:extLst>
             <a:ext uri="{909E8E84-426E-40dd-AFC4-6F175D3DCCD1}">
-              <a14:hiddenFill xmlns:a14="http://schemas.microsoft.com/office/drawing/2010/main" xmlns="">
+              <a14:hiddenFill xmlns="" xmlns:a14="http://schemas.microsoft.com/office/drawing/2010/main">
                 <a:solidFill>
                   <a:schemeClr val="accent1"/>
                 </a:solidFill>
               </a14:hiddenFill>
             </a:ext>
             <a:ext uri="{91240B29-F687-4f45-9708-019B960494DF}">
-              <a14:hiddenLine xmlns:a14="http://schemas.microsoft.com/office/drawing/2010/main" xmlns="" w="9525">
+              <a14:hiddenLine xmlns="" xmlns:a14="http://schemas.microsoft.com/office/drawing/2010/main" w="9525">
                 <a:solidFill>
                   <a:schemeClr val="tx1"/>
                 </a:solidFill>
@@ -5987,7 +5988,7 @@
               </a14:hiddenLine>
             </a:ext>
             <a:ext uri="{AF507438-7753-43e0-B8FC-AC1667EBCBE1}">
-              <a14:hiddenEffects xmlns:a14="http://schemas.microsoft.com/office/drawing/2010/main" xmlns="">
+              <a14:hiddenEffects xmlns="" xmlns:a14="http://schemas.microsoft.com/office/drawing/2010/main">
                 <a:effectLst>
                   <a:outerShdw dist="35921" dir="2700000" algn="ctr" rotWithShape="0">
                     <a:schemeClr val="bg2"/>
@@ -8024,14 +8025,14 @@
           <a:effectLst/>
           <a:extLst>
             <a:ext uri="{909E8E84-426E-40dd-AFC4-6F175D3DCCD1}">
-              <a14:hiddenFill xmlns:a14="http://schemas.microsoft.com/office/drawing/2010/main" xmlns="">
+              <a14:hiddenFill xmlns="" xmlns:a14="http://schemas.microsoft.com/office/drawing/2010/main">
                 <a:solidFill>
                   <a:schemeClr val="accent1"/>
                 </a:solidFill>
               </a14:hiddenFill>
             </a:ext>
             <a:ext uri="{91240B29-F687-4f45-9708-019B960494DF}">
-              <a14:hiddenLine xmlns:a14="http://schemas.microsoft.com/office/drawing/2010/main" xmlns="" w="9525">
+              <a14:hiddenLine xmlns="" xmlns:a14="http://schemas.microsoft.com/office/drawing/2010/main" w="9525">
                 <a:solidFill>
                   <a:schemeClr val="tx1"/>
                 </a:solidFill>
@@ -8041,7 +8042,7 @@
               </a14:hiddenLine>
             </a:ext>
             <a:ext uri="{AF507438-7753-43e0-B8FC-AC1667EBCBE1}">
-              <a14:hiddenEffects xmlns:a14="http://schemas.microsoft.com/office/drawing/2010/main" xmlns="">
+              <a14:hiddenEffects xmlns="" xmlns:a14="http://schemas.microsoft.com/office/drawing/2010/main">
                 <a:effectLst>
                   <a:outerShdw dist="35921" dir="2700000" algn="ctr" rotWithShape="0">
                     <a:schemeClr val="bg2"/>
@@ -8572,14 +8573,14 @@
           <a:effectLst/>
           <a:extLst>
             <a:ext uri="{909E8E84-426E-40dd-AFC4-6F175D3DCCD1}">
-              <a14:hiddenFill xmlns:a14="http://schemas.microsoft.com/office/drawing/2010/main" xmlns="">
+              <a14:hiddenFill xmlns="" xmlns:a14="http://schemas.microsoft.com/office/drawing/2010/main">
                 <a:solidFill>
                   <a:schemeClr val="accent1"/>
                 </a:solidFill>
               </a14:hiddenFill>
             </a:ext>
             <a:ext uri="{91240B29-F687-4f45-9708-019B960494DF}">
-              <a14:hiddenLine xmlns:a14="http://schemas.microsoft.com/office/drawing/2010/main" xmlns="" w="9525">
+              <a14:hiddenLine xmlns="" xmlns:a14="http://schemas.microsoft.com/office/drawing/2010/main" w="9525">
                 <a:solidFill>
                   <a:schemeClr val="tx1"/>
                 </a:solidFill>
@@ -8589,7 +8590,7 @@
               </a14:hiddenLine>
             </a:ext>
             <a:ext uri="{AF507438-7753-43e0-B8FC-AC1667EBCBE1}">
-              <a14:hiddenEffects xmlns:a14="http://schemas.microsoft.com/office/drawing/2010/main" xmlns="">
+              <a14:hiddenEffects xmlns="" xmlns:a14="http://schemas.microsoft.com/office/drawing/2010/main">
                 <a:effectLst>
                   <a:outerShdw dist="35921" dir="2700000" algn="ctr" rotWithShape="0">
                     <a:schemeClr val="bg2"/>
@@ -8687,14 +8688,14 @@
           <a:effectLst/>
           <a:extLst>
             <a:ext uri="{909E8E84-426E-40dd-AFC4-6F175D3DCCD1}">
-              <a14:hiddenFill xmlns:a14="http://schemas.microsoft.com/office/drawing/2010/main" xmlns="">
+              <a14:hiddenFill xmlns="" xmlns:a14="http://schemas.microsoft.com/office/drawing/2010/main">
                 <a:solidFill>
                   <a:schemeClr val="accent1"/>
                 </a:solidFill>
               </a14:hiddenFill>
             </a:ext>
             <a:ext uri="{91240B29-F687-4f45-9708-019B960494DF}">
-              <a14:hiddenLine xmlns:a14="http://schemas.microsoft.com/office/drawing/2010/main" xmlns="" w="9525">
+              <a14:hiddenLine xmlns="" xmlns:a14="http://schemas.microsoft.com/office/drawing/2010/main" w="9525">
                 <a:solidFill>
                   <a:schemeClr val="tx1"/>
                 </a:solidFill>
@@ -8704,7 +8705,7 @@
               </a14:hiddenLine>
             </a:ext>
             <a:ext uri="{AF507438-7753-43e0-B8FC-AC1667EBCBE1}">
-              <a14:hiddenEffects xmlns:a14="http://schemas.microsoft.com/office/drawing/2010/main" xmlns="">
+              <a14:hiddenEffects xmlns="" xmlns:a14="http://schemas.microsoft.com/office/drawing/2010/main">
                 <a:effectLst>
                   <a:outerShdw dist="35921" dir="2700000" algn="ctr" rotWithShape="0">
                     <a:schemeClr val="bg2"/>
@@ -9488,14 +9489,14 @@
           <a:effectLst/>
           <a:extLst>
             <a:ext uri="{909E8E84-426E-40dd-AFC4-6F175D3DCCD1}">
-              <a14:hiddenFill xmlns:a14="http://schemas.microsoft.com/office/drawing/2010/main" xmlns="">
+              <a14:hiddenFill xmlns="" xmlns:a14="http://schemas.microsoft.com/office/drawing/2010/main">
                 <a:solidFill>
                   <a:schemeClr val="accent1"/>
                 </a:solidFill>
               </a14:hiddenFill>
             </a:ext>
             <a:ext uri="{91240B29-F687-4f45-9708-019B960494DF}">
-              <a14:hiddenLine xmlns:a14="http://schemas.microsoft.com/office/drawing/2010/main" xmlns="" w="9525">
+              <a14:hiddenLine xmlns="" xmlns:a14="http://schemas.microsoft.com/office/drawing/2010/main" w="9525">
                 <a:solidFill>
                   <a:schemeClr val="tx1"/>
                 </a:solidFill>
@@ -9505,7 +9506,7 @@
               </a14:hiddenLine>
             </a:ext>
             <a:ext uri="{AF507438-7753-43e0-B8FC-AC1667EBCBE1}">
-              <a14:hiddenEffects xmlns:a14="http://schemas.microsoft.com/office/drawing/2010/main" xmlns="">
+              <a14:hiddenEffects xmlns="" xmlns:a14="http://schemas.microsoft.com/office/drawing/2010/main">
                 <a:effectLst>
                   <a:outerShdw dist="35921" dir="2700000" algn="ctr" rotWithShape="0">
                     <a:schemeClr val="bg2"/>
@@ -9772,14 +9773,14 @@
           <a:effectLst/>
           <a:extLst>
             <a:ext uri="{909E8E84-426E-40dd-AFC4-6F175D3DCCD1}">
-              <a14:hiddenFill xmlns:a14="http://schemas.microsoft.com/office/drawing/2010/main" xmlns="">
+              <a14:hiddenFill xmlns="" xmlns:a14="http://schemas.microsoft.com/office/drawing/2010/main">
                 <a:solidFill>
                   <a:schemeClr val="accent1"/>
                 </a:solidFill>
               </a14:hiddenFill>
             </a:ext>
             <a:ext uri="{91240B29-F687-4f45-9708-019B960494DF}">
-              <a14:hiddenLine xmlns:a14="http://schemas.microsoft.com/office/drawing/2010/main" xmlns="" w="9525">
+              <a14:hiddenLine xmlns="" xmlns:a14="http://schemas.microsoft.com/office/drawing/2010/main" w="9525">
                 <a:solidFill>
                   <a:schemeClr val="tx1"/>
                 </a:solidFill>
@@ -9789,7 +9790,7 @@
               </a14:hiddenLine>
             </a:ext>
             <a:ext uri="{AF507438-7753-43e0-B8FC-AC1667EBCBE1}">
-              <a14:hiddenEffects xmlns:a14="http://schemas.microsoft.com/office/drawing/2010/main" xmlns="">
+              <a14:hiddenEffects xmlns="" xmlns:a14="http://schemas.microsoft.com/office/drawing/2010/main">
                 <a:effectLst>
                   <a:outerShdw dist="35921" dir="2700000" algn="ctr" rotWithShape="0">
                     <a:schemeClr val="bg2"/>
@@ -10252,14 +10253,14 @@
           <a:effectLst/>
           <a:extLst>
             <a:ext uri="{909E8E84-426E-40dd-AFC4-6F175D3DCCD1}">
-              <a14:hiddenFill xmlns:a14="http://schemas.microsoft.com/office/drawing/2010/main" xmlns="">
+              <a14:hiddenFill xmlns="" xmlns:a14="http://schemas.microsoft.com/office/drawing/2010/main">
                 <a:solidFill>
                   <a:schemeClr val="accent1"/>
                 </a:solidFill>
               </a14:hiddenFill>
             </a:ext>
             <a:ext uri="{91240B29-F687-4f45-9708-019B960494DF}">
-              <a14:hiddenLine xmlns:a14="http://schemas.microsoft.com/office/drawing/2010/main" xmlns="" w="9525">
+              <a14:hiddenLine xmlns="" xmlns:a14="http://schemas.microsoft.com/office/drawing/2010/main" w="9525">
                 <a:solidFill>
                   <a:schemeClr val="tx1"/>
                 </a:solidFill>
@@ -10269,7 +10270,7 @@
               </a14:hiddenLine>
             </a:ext>
             <a:ext uri="{AF507438-7753-43e0-B8FC-AC1667EBCBE1}">
-              <a14:hiddenEffects xmlns:a14="http://schemas.microsoft.com/office/drawing/2010/main" xmlns="">
+              <a14:hiddenEffects xmlns="" xmlns:a14="http://schemas.microsoft.com/office/drawing/2010/main">
                 <a:effectLst>
                   <a:outerShdw dist="35921" dir="2700000" algn="ctr" rotWithShape="0">
                     <a:schemeClr val="bg2"/>
@@ -10632,14 +10633,14 @@
           <a:effectLst/>
           <a:extLst>
             <a:ext uri="{909E8E84-426E-40dd-AFC4-6F175D3DCCD1}">
-              <a14:hiddenFill xmlns:a14="http://schemas.microsoft.com/office/drawing/2010/main" xmlns="">
+              <a14:hiddenFill xmlns="" xmlns:a14="http://schemas.microsoft.com/office/drawing/2010/main">
                 <a:solidFill>
                   <a:schemeClr val="accent1"/>
                 </a:solidFill>
               </a14:hiddenFill>
             </a:ext>
             <a:ext uri="{91240B29-F687-4f45-9708-019B960494DF}">
-              <a14:hiddenLine xmlns:a14="http://schemas.microsoft.com/office/drawing/2010/main" xmlns="" w="9525">
+              <a14:hiddenLine xmlns="" xmlns:a14="http://schemas.microsoft.com/office/drawing/2010/main" w="9525">
                 <a:solidFill>
                   <a:schemeClr val="tx1"/>
                 </a:solidFill>
@@ -10649,7 +10650,7 @@
               </a14:hiddenLine>
             </a:ext>
             <a:ext uri="{AF507438-7753-43e0-B8FC-AC1667EBCBE1}">
-              <a14:hiddenEffects xmlns:a14="http://schemas.microsoft.com/office/drawing/2010/main" xmlns="">
+              <a14:hiddenEffects xmlns="" xmlns:a14="http://schemas.microsoft.com/office/drawing/2010/main">
                 <a:effectLst>
                   <a:outerShdw dist="35921" dir="2700000" algn="ctr" rotWithShape="0">
                     <a:schemeClr val="bg2"/>
@@ -10682,14 +10683,14 @@
           </a:ln>
           <a:extLst>
             <a:ext uri="{909E8E84-426E-40dd-AFC4-6F175D3DCCD1}">
-              <a14:hiddenFill xmlns:a14="http://schemas.microsoft.com/office/drawing/2010/main" xmlns="">
+              <a14:hiddenFill xmlns="" xmlns:a14="http://schemas.microsoft.com/office/drawing/2010/main">
                 <a:solidFill>
                   <a:srgbClr val="FFFFFF"/>
                 </a:solidFill>
               </a14:hiddenFill>
             </a:ext>
             <a:ext uri="{91240B29-F687-4f45-9708-019B960494DF}">
-              <a14:hiddenLine xmlns:a14="http://schemas.microsoft.com/office/drawing/2010/main" xmlns="" w="9525">
+              <a14:hiddenLine xmlns="" xmlns:a14="http://schemas.microsoft.com/office/drawing/2010/main" w="9525">
                 <a:solidFill>
                   <a:srgbClr val="000000"/>
                 </a:solidFill>
@@ -11757,14 +11758,14 @@
           <a:effectLst/>
           <a:extLst>
             <a:ext uri="{909E8E84-426E-40dd-AFC4-6F175D3DCCD1}">
-              <a14:hiddenFill xmlns:a14="http://schemas.microsoft.com/office/drawing/2010/main" xmlns="">
+              <a14:hiddenFill xmlns="" xmlns:a14="http://schemas.microsoft.com/office/drawing/2010/main">
                 <a:solidFill>
                   <a:schemeClr val="accent1"/>
                 </a:solidFill>
               </a14:hiddenFill>
             </a:ext>
             <a:ext uri="{91240B29-F687-4f45-9708-019B960494DF}">
-              <a14:hiddenLine xmlns:a14="http://schemas.microsoft.com/office/drawing/2010/main" xmlns="" w="9525">
+              <a14:hiddenLine xmlns="" xmlns:a14="http://schemas.microsoft.com/office/drawing/2010/main" w="9525">
                 <a:solidFill>
                   <a:schemeClr val="tx1"/>
                 </a:solidFill>
@@ -11774,7 +11775,7 @@
               </a14:hiddenLine>
             </a:ext>
             <a:ext uri="{AF507438-7753-43e0-B8FC-AC1667EBCBE1}">
-              <a14:hiddenEffects xmlns:a14="http://schemas.microsoft.com/office/drawing/2010/main" xmlns="">
+              <a14:hiddenEffects xmlns="" xmlns:a14="http://schemas.microsoft.com/office/drawing/2010/main">
                 <a:effectLst>
                   <a:outerShdw dist="35921" dir="2700000" algn="ctr" rotWithShape="0">
                     <a:schemeClr val="bg2"/>
@@ -12188,14 +12189,14 @@
           <a:effectLst/>
           <a:extLst>
             <a:ext uri="{909E8E84-426E-40dd-AFC4-6F175D3DCCD1}">
-              <a14:hiddenFill xmlns:a14="http://schemas.microsoft.com/office/drawing/2010/main" xmlns="">
+              <a14:hiddenFill xmlns="" xmlns:a14="http://schemas.microsoft.com/office/drawing/2010/main">
                 <a:solidFill>
                   <a:schemeClr val="accent1"/>
                 </a:solidFill>
               </a14:hiddenFill>
             </a:ext>
             <a:ext uri="{91240B29-F687-4f45-9708-019B960494DF}">
-              <a14:hiddenLine xmlns:a14="http://schemas.microsoft.com/office/drawing/2010/main" xmlns="" w="9525">
+              <a14:hiddenLine xmlns="" xmlns:a14="http://schemas.microsoft.com/office/drawing/2010/main" w="9525">
                 <a:solidFill>
                   <a:schemeClr val="tx1"/>
                 </a:solidFill>
@@ -12205,7 +12206,7 @@
               </a14:hiddenLine>
             </a:ext>
             <a:ext uri="{AF507438-7753-43e0-B8FC-AC1667EBCBE1}">
-              <a14:hiddenEffects xmlns:a14="http://schemas.microsoft.com/office/drawing/2010/main" xmlns="">
+              <a14:hiddenEffects xmlns="" xmlns:a14="http://schemas.microsoft.com/office/drawing/2010/main">
                 <a:effectLst>
                   <a:outerShdw dist="35921" dir="2700000" algn="ctr" rotWithShape="0">
                     <a:schemeClr val="bg2"/>
@@ -12927,14 +12928,14 @@
           <a:effectLst/>
           <a:extLst>
             <a:ext uri="{909E8E84-426E-40dd-AFC4-6F175D3DCCD1}">
-              <a14:hiddenFill xmlns:a14="http://schemas.microsoft.com/office/drawing/2010/main" xmlns="">
+              <a14:hiddenFill xmlns="" xmlns:a14="http://schemas.microsoft.com/office/drawing/2010/main">
                 <a:solidFill>
                   <a:schemeClr val="accent1"/>
                 </a:solidFill>
               </a14:hiddenFill>
             </a:ext>
             <a:ext uri="{91240B29-F687-4f45-9708-019B960494DF}">
-              <a14:hiddenLine xmlns:a14="http://schemas.microsoft.com/office/drawing/2010/main" xmlns="" w="9525">
+              <a14:hiddenLine xmlns="" xmlns:a14="http://schemas.microsoft.com/office/drawing/2010/main" w="9525">
                 <a:solidFill>
                   <a:schemeClr val="tx1"/>
                 </a:solidFill>
@@ -12944,7 +12945,7 @@
               </a14:hiddenLine>
             </a:ext>
             <a:ext uri="{AF507438-7753-43e0-B8FC-AC1667EBCBE1}">
-              <a14:hiddenEffects xmlns:a14="http://schemas.microsoft.com/office/drawing/2010/main" xmlns="">
+              <a14:hiddenEffects xmlns="" xmlns:a14="http://schemas.microsoft.com/office/drawing/2010/main">
                 <a:effectLst>
                   <a:outerShdw dist="35921" dir="2700000" algn="ctr" rotWithShape="0">
                     <a:schemeClr val="bg2"/>
@@ -13141,14 +13142,14 @@
           <a:effectLst/>
           <a:extLst>
             <a:ext uri="{909E8E84-426E-40dd-AFC4-6F175D3DCCD1}">
-              <a14:hiddenFill xmlns:a14="http://schemas.microsoft.com/office/drawing/2010/main" xmlns="">
+              <a14:hiddenFill xmlns="" xmlns:a14="http://schemas.microsoft.com/office/drawing/2010/main">
                 <a:solidFill>
                   <a:schemeClr val="accent1"/>
                 </a:solidFill>
               </a14:hiddenFill>
             </a:ext>
             <a:ext uri="{91240B29-F687-4f45-9708-019B960494DF}">
-              <a14:hiddenLine xmlns:a14="http://schemas.microsoft.com/office/drawing/2010/main" xmlns="" w="9525">
+              <a14:hiddenLine xmlns="" xmlns:a14="http://schemas.microsoft.com/office/drawing/2010/main" w="9525">
                 <a:solidFill>
                   <a:schemeClr val="tx1"/>
                 </a:solidFill>
@@ -13158,7 +13159,7 @@
               </a14:hiddenLine>
             </a:ext>
             <a:ext uri="{AF507438-7753-43e0-B8FC-AC1667EBCBE1}">
-              <a14:hiddenEffects xmlns:a14="http://schemas.microsoft.com/office/drawing/2010/main" xmlns="">
+              <a14:hiddenEffects xmlns="" xmlns:a14="http://schemas.microsoft.com/office/drawing/2010/main">
                 <a:effectLst>
                   <a:outerShdw dist="35921" dir="2700000" algn="ctr" rotWithShape="0">
                     <a:schemeClr val="bg2"/>
@@ -13356,14 +13357,14 @@
           <a:effectLst/>
           <a:extLst>
             <a:ext uri="{909E8E84-426E-40dd-AFC4-6F175D3DCCD1}">
-              <a14:hiddenFill xmlns:a14="http://schemas.microsoft.com/office/drawing/2010/main" xmlns="">
+              <a14:hiddenFill xmlns="" xmlns:a14="http://schemas.microsoft.com/office/drawing/2010/main">
                 <a:solidFill>
                   <a:schemeClr val="accent1"/>
                 </a:solidFill>
               </a14:hiddenFill>
             </a:ext>
             <a:ext uri="{91240B29-F687-4f45-9708-019B960494DF}">
-              <a14:hiddenLine xmlns:a14="http://schemas.microsoft.com/office/drawing/2010/main" xmlns="" w="9525">
+              <a14:hiddenLine xmlns="" xmlns:a14="http://schemas.microsoft.com/office/drawing/2010/main" w="9525">
                 <a:solidFill>
                   <a:schemeClr val="tx1"/>
                 </a:solidFill>
@@ -13373,7 +13374,7 @@
               </a14:hiddenLine>
             </a:ext>
             <a:ext uri="{AF507438-7753-43e0-B8FC-AC1667EBCBE1}">
-              <a14:hiddenEffects xmlns:a14="http://schemas.microsoft.com/office/drawing/2010/main" xmlns="">
+              <a14:hiddenEffects xmlns="" xmlns:a14="http://schemas.microsoft.com/office/drawing/2010/main">
                 <a:effectLst>
                   <a:outerShdw dist="35921" dir="2700000" algn="ctr" rotWithShape="0">
                     <a:schemeClr val="bg2"/>
@@ -13729,14 +13730,14 @@
           <a:effectLst/>
           <a:extLst>
             <a:ext uri="{909E8E84-426E-40dd-AFC4-6F175D3DCCD1}">
-              <a14:hiddenFill xmlns:a14="http://schemas.microsoft.com/office/drawing/2010/main" xmlns="">
+              <a14:hiddenFill xmlns="" xmlns:a14="http://schemas.microsoft.com/office/drawing/2010/main">
                 <a:solidFill>
                   <a:schemeClr val="accent1"/>
                 </a:solidFill>
               </a14:hiddenFill>
             </a:ext>
             <a:ext uri="{91240B29-F687-4f45-9708-019B960494DF}">
-              <a14:hiddenLine xmlns:a14="http://schemas.microsoft.com/office/drawing/2010/main" xmlns="" w="9525">
+              <a14:hiddenLine xmlns="" xmlns:a14="http://schemas.microsoft.com/office/drawing/2010/main" w="9525">
                 <a:solidFill>
                   <a:schemeClr val="tx1"/>
                 </a:solidFill>
@@ -13746,7 +13747,7 @@
               </a14:hiddenLine>
             </a:ext>
             <a:ext uri="{AF507438-7753-43e0-B8FC-AC1667EBCBE1}">
-              <a14:hiddenEffects xmlns:a14="http://schemas.microsoft.com/office/drawing/2010/main" xmlns="">
+              <a14:hiddenEffects xmlns="" xmlns:a14="http://schemas.microsoft.com/office/drawing/2010/main">
                 <a:effectLst>
                   <a:outerShdw dist="35921" dir="2700000" algn="ctr" rotWithShape="0">
                     <a:schemeClr val="bg2"/>
@@ -14501,14 +14502,14 @@
           <a:effectLst/>
           <a:extLst>
             <a:ext uri="{909E8E84-426E-40dd-AFC4-6F175D3DCCD1}">
-              <a14:hiddenFill xmlns:a14="http://schemas.microsoft.com/office/drawing/2010/main" xmlns="">
+              <a14:hiddenFill xmlns="" xmlns:a14="http://schemas.microsoft.com/office/drawing/2010/main">
                 <a:solidFill>
                   <a:schemeClr val="accent1"/>
                 </a:solidFill>
               </a14:hiddenFill>
             </a:ext>
             <a:ext uri="{91240B29-F687-4f45-9708-019B960494DF}">
-              <a14:hiddenLine xmlns:a14="http://schemas.microsoft.com/office/drawing/2010/main" xmlns="" w="9525">
+              <a14:hiddenLine xmlns="" xmlns:a14="http://schemas.microsoft.com/office/drawing/2010/main" w="9525">
                 <a:solidFill>
                   <a:schemeClr val="tx1"/>
                 </a:solidFill>
@@ -14518,7 +14519,7 @@
               </a14:hiddenLine>
             </a:ext>
             <a:ext uri="{AF507438-7753-43e0-B8FC-AC1667EBCBE1}">
-              <a14:hiddenEffects xmlns:a14="http://schemas.microsoft.com/office/drawing/2010/main" xmlns="">
+              <a14:hiddenEffects xmlns="" xmlns:a14="http://schemas.microsoft.com/office/drawing/2010/main">
                 <a:effectLst>
                   <a:outerShdw dist="35921" dir="2700000" algn="ctr" rotWithShape="0">
                     <a:schemeClr val="bg2"/>
@@ -14735,14 +14736,14 @@
           <a:effectLst/>
           <a:extLst>
             <a:ext uri="{909E8E84-426E-40dd-AFC4-6F175D3DCCD1}">
-              <a14:hiddenFill xmlns:a14="http://schemas.microsoft.com/office/drawing/2010/main" xmlns="">
+              <a14:hiddenFill xmlns="" xmlns:a14="http://schemas.microsoft.com/office/drawing/2010/main">
                 <a:solidFill>
                   <a:schemeClr val="accent1"/>
                 </a:solidFill>
               </a14:hiddenFill>
             </a:ext>
             <a:ext uri="{91240B29-F687-4f45-9708-019B960494DF}">
-              <a14:hiddenLine xmlns:a14="http://schemas.microsoft.com/office/drawing/2010/main" xmlns="" w="9525">
+              <a14:hiddenLine xmlns="" xmlns:a14="http://schemas.microsoft.com/office/drawing/2010/main" w="9525">
                 <a:solidFill>
                   <a:schemeClr val="tx1"/>
                 </a:solidFill>
@@ -14752,7 +14753,7 @@
               </a14:hiddenLine>
             </a:ext>
             <a:ext uri="{AF507438-7753-43e0-B8FC-AC1667EBCBE1}">
-              <a14:hiddenEffects xmlns:a14="http://schemas.microsoft.com/office/drawing/2010/main" xmlns="">
+              <a14:hiddenEffects xmlns="" xmlns:a14="http://schemas.microsoft.com/office/drawing/2010/main">
                 <a:effectLst>
                   <a:outerShdw dist="35921" dir="2700000" algn="ctr" rotWithShape="0">
                     <a:schemeClr val="bg2"/>
@@ -14937,14 +14938,14 @@
           <a:effectLst/>
           <a:extLst>
             <a:ext uri="{909E8E84-426E-40dd-AFC4-6F175D3DCCD1}">
-              <a14:hiddenFill xmlns:a14="http://schemas.microsoft.com/office/drawing/2010/main" xmlns="">
+              <a14:hiddenFill xmlns="" xmlns:a14="http://schemas.microsoft.com/office/drawing/2010/main">
                 <a:solidFill>
                   <a:schemeClr val="accent1"/>
                 </a:solidFill>
               </a14:hiddenFill>
             </a:ext>
             <a:ext uri="{91240B29-F687-4f45-9708-019B960494DF}">
-              <a14:hiddenLine xmlns:a14="http://schemas.microsoft.com/office/drawing/2010/main" xmlns="" w="9525">
+              <a14:hiddenLine xmlns="" xmlns:a14="http://schemas.microsoft.com/office/drawing/2010/main" w="9525">
                 <a:solidFill>
                   <a:schemeClr val="tx1"/>
                 </a:solidFill>
@@ -14954,7 +14955,7 @@
               </a14:hiddenLine>
             </a:ext>
             <a:ext uri="{AF507438-7753-43e0-B8FC-AC1667EBCBE1}">
-              <a14:hiddenEffects xmlns:a14="http://schemas.microsoft.com/office/drawing/2010/main" xmlns="">
+              <a14:hiddenEffects xmlns="" xmlns:a14="http://schemas.microsoft.com/office/drawing/2010/main">
                 <a:effectLst>
                   <a:outerShdw dist="35921" dir="2700000" algn="ctr" rotWithShape="0">
                     <a:schemeClr val="bg2"/>
